--- a/Case Study2.pptx
+++ b/Case Study2.pptx
@@ -111,6 +111,11 @@
       </a:defRPr>
     </a:lvl9pPr>
   </p:defaultTextStyle>
+  <p:extLst>
+    <p:ext uri="{EFAFB233-063F-42B5-8137-9DF3F51BA10A}">
+      <p15:sldGuideLst xmlns:p15="http://schemas.microsoft.com/office/powerpoint/2012/main"/>
+    </p:ext>
+  </p:extLst>
 </p:presentation>
 </file>
 
@@ -616,7 +621,7 @@
           <a:p>
             <a:fld id="{B0750736-FB76-4E36-8C78-9B4E98B5A8ED}" type="datetimeFigureOut">
               <a:rPr lang="en-US" smtClean="0"/>
-              <a:t>12/3/2018</a:t>
+              <a:t>12/4/2018</a:t>
             </a:fld>
             <a:endParaRPr lang="en-US"/>
           </a:p>
@@ -679,13 +684,13 @@
   <p:clrMapOvr>
     <a:masterClrMapping/>
   </p:clrMapOvr>
-  <mc:AlternateContent xmlns:mc="http://schemas.openxmlformats.org/markup-compatibility/2006">
-    <mc:Choice xmlns:p14="http://schemas.microsoft.com/office/powerpoint/2010/main" Requires="p14">
+  <mc:AlternateContent xmlns:mc="http://schemas.openxmlformats.org/markup-compatibility/2006" xmlns:p14="http://schemas.microsoft.com/office/powerpoint/2010/main">
+    <mc:Choice Requires="p14">
       <p:transition spd="slow" p14:dur="800">
         <p14:flythrough/>
       </p:transition>
     </mc:Choice>
-    <mc:Fallback>
+    <mc:Fallback xmlns="">
       <p:transition spd="slow">
         <p:fade/>
       </p:transition>
@@ -929,7 +934,7 @@
           <a:p>
             <a:fld id="{B0750736-FB76-4E36-8C78-9B4E98B5A8ED}" type="datetimeFigureOut">
               <a:rPr lang="en-US" smtClean="0"/>
-              <a:t>12/3/2018</a:t>
+              <a:t>12/4/2018</a:t>
             </a:fld>
             <a:endParaRPr lang="en-US"/>
           </a:p>
@@ -987,13 +992,13 @@
   <p:clrMapOvr>
     <a:masterClrMapping/>
   </p:clrMapOvr>
-  <mc:AlternateContent xmlns:mc="http://schemas.openxmlformats.org/markup-compatibility/2006">
-    <mc:Choice xmlns:p14="http://schemas.microsoft.com/office/powerpoint/2010/main" Requires="p14">
+  <mc:AlternateContent xmlns:mc="http://schemas.openxmlformats.org/markup-compatibility/2006" xmlns:p14="http://schemas.microsoft.com/office/powerpoint/2010/main">
+    <mc:Choice Requires="p14">
       <p:transition spd="slow" p14:dur="800">
         <p14:flythrough/>
       </p:transition>
     </mc:Choice>
-    <mc:Fallback>
+    <mc:Fallback xmlns="">
       <p:transition spd="slow">
         <p:fade/>
       </p:transition>
@@ -1189,7 +1194,7 @@
           <a:p>
             <a:fld id="{B0750736-FB76-4E36-8C78-9B4E98B5A8ED}" type="datetimeFigureOut">
               <a:rPr lang="en-US" smtClean="0"/>
-              <a:t>12/3/2018</a:t>
+              <a:t>12/4/2018</a:t>
             </a:fld>
             <a:endParaRPr lang="en-US"/>
           </a:p>
@@ -1247,13 +1252,13 @@
   <p:clrMapOvr>
     <a:masterClrMapping/>
   </p:clrMapOvr>
-  <mc:AlternateContent xmlns:mc="http://schemas.openxmlformats.org/markup-compatibility/2006">
-    <mc:Choice xmlns:p14="http://schemas.microsoft.com/office/powerpoint/2010/main" Requires="p14">
+  <mc:AlternateContent xmlns:mc="http://schemas.openxmlformats.org/markup-compatibility/2006" xmlns:p14="http://schemas.microsoft.com/office/powerpoint/2010/main">
+    <mc:Choice Requires="p14">
       <p:transition spd="slow" p14:dur="800">
         <p14:flythrough/>
       </p:transition>
     </mc:Choice>
-    <mc:Fallback>
+    <mc:Fallback xmlns="">
       <p:transition spd="slow">
         <p:fade/>
       </p:transition>
@@ -1741,7 +1746,7 @@
           <a:p>
             <a:fld id="{B0750736-FB76-4E36-8C78-9B4E98B5A8ED}" type="datetimeFigureOut">
               <a:rPr lang="en-US" smtClean="0"/>
-              <a:t>12/3/2018</a:t>
+              <a:t>12/4/2018</a:t>
             </a:fld>
             <a:endParaRPr lang="en-US"/>
           </a:p>
@@ -1799,13 +1804,13 @@
   <p:clrMapOvr>
     <a:masterClrMapping/>
   </p:clrMapOvr>
-  <mc:AlternateContent xmlns:mc="http://schemas.openxmlformats.org/markup-compatibility/2006">
-    <mc:Choice xmlns:p14="http://schemas.microsoft.com/office/powerpoint/2010/main" Requires="p14">
+  <mc:AlternateContent xmlns:mc="http://schemas.openxmlformats.org/markup-compatibility/2006" xmlns:p14="http://schemas.microsoft.com/office/powerpoint/2010/main">
+    <mc:Choice Requires="p14">
       <p:transition spd="slow" p14:dur="800">
         <p14:flythrough/>
       </p:transition>
     </mc:Choice>
-    <mc:Fallback>
+    <mc:Fallback xmlns="">
       <p:transition spd="slow">
         <p:fade/>
       </p:transition>
@@ -2001,7 +2006,7 @@
           <a:p>
             <a:fld id="{B0750736-FB76-4E36-8C78-9B4E98B5A8ED}" type="datetimeFigureOut">
               <a:rPr lang="en-US" smtClean="0"/>
-              <a:t>12/3/2018</a:t>
+              <a:t>12/4/2018</a:t>
             </a:fld>
             <a:endParaRPr lang="en-US"/>
           </a:p>
@@ -2059,13 +2064,13 @@
   <p:clrMapOvr>
     <a:masterClrMapping/>
   </p:clrMapOvr>
-  <mc:AlternateContent xmlns:mc="http://schemas.openxmlformats.org/markup-compatibility/2006">
-    <mc:Choice xmlns:p14="http://schemas.microsoft.com/office/powerpoint/2010/main" Requires="p14">
+  <mc:AlternateContent xmlns:mc="http://schemas.openxmlformats.org/markup-compatibility/2006" xmlns:p14="http://schemas.microsoft.com/office/powerpoint/2010/main">
+    <mc:Choice Requires="p14">
       <p:transition spd="slow" p14:dur="800">
         <p14:flythrough/>
       </p:transition>
     </mc:Choice>
-    <mc:Fallback>
+    <mc:Fallback xmlns="">
       <p:transition spd="slow">
         <p:fade/>
       </p:transition>
@@ -2545,7 +2550,7 @@
           <a:p>
             <a:fld id="{B0750736-FB76-4E36-8C78-9B4E98B5A8ED}" type="datetimeFigureOut">
               <a:rPr lang="en-US" smtClean="0"/>
-              <a:t>12/3/2018</a:t>
+              <a:t>12/4/2018</a:t>
             </a:fld>
             <a:endParaRPr lang="en-US"/>
           </a:p>
@@ -2603,13 +2608,13 @@
   <p:clrMapOvr>
     <a:masterClrMapping/>
   </p:clrMapOvr>
-  <mc:AlternateContent xmlns:mc="http://schemas.openxmlformats.org/markup-compatibility/2006">
-    <mc:Choice xmlns:p14="http://schemas.microsoft.com/office/powerpoint/2010/main" Requires="p14">
+  <mc:AlternateContent xmlns:mc="http://schemas.openxmlformats.org/markup-compatibility/2006" xmlns:p14="http://schemas.microsoft.com/office/powerpoint/2010/main">
+    <mc:Choice Requires="p14">
       <p:transition spd="slow" p14:dur="800">
         <p14:flythrough/>
       </p:transition>
     </mc:Choice>
-    <mc:Fallback>
+    <mc:Fallback xmlns="">
       <p:transition spd="slow">
         <p:fade/>
       </p:transition>
@@ -2854,7 +2859,7 @@
           <a:p>
             <a:fld id="{B0750736-FB76-4E36-8C78-9B4E98B5A8ED}" type="datetimeFigureOut">
               <a:rPr lang="en-US" smtClean="0"/>
-              <a:t>12/3/2018</a:t>
+              <a:t>12/4/2018</a:t>
             </a:fld>
             <a:endParaRPr lang="en-US"/>
           </a:p>
@@ -2912,13 +2917,13 @@
   <p:clrMapOvr>
     <a:masterClrMapping/>
   </p:clrMapOvr>
-  <mc:AlternateContent xmlns:mc="http://schemas.openxmlformats.org/markup-compatibility/2006">
-    <mc:Choice xmlns:p14="http://schemas.microsoft.com/office/powerpoint/2010/main" Requires="p14">
+  <mc:AlternateContent xmlns:mc="http://schemas.openxmlformats.org/markup-compatibility/2006" xmlns:p14="http://schemas.microsoft.com/office/powerpoint/2010/main">
+    <mc:Choice Requires="p14">
       <p:transition spd="slow" p14:dur="800">
         <p14:flythrough/>
       </p:transition>
     </mc:Choice>
-    <mc:Fallback>
+    <mc:Fallback xmlns="">
       <p:transition spd="slow">
         <p:fade/>
       </p:transition>
@@ -3040,7 +3045,7 @@
           <a:p>
             <a:fld id="{B0750736-FB76-4E36-8C78-9B4E98B5A8ED}" type="datetimeFigureOut">
               <a:rPr lang="en-US" smtClean="0"/>
-              <a:t>12/3/2018</a:t>
+              <a:t>12/4/2018</a:t>
             </a:fld>
             <a:endParaRPr lang="en-US"/>
           </a:p>
@@ -3098,13 +3103,13 @@
   <p:clrMapOvr>
     <a:masterClrMapping/>
   </p:clrMapOvr>
-  <mc:AlternateContent xmlns:mc="http://schemas.openxmlformats.org/markup-compatibility/2006">
-    <mc:Choice xmlns:p14="http://schemas.microsoft.com/office/powerpoint/2010/main" Requires="p14">
+  <mc:AlternateContent xmlns:mc="http://schemas.openxmlformats.org/markup-compatibility/2006" xmlns:p14="http://schemas.microsoft.com/office/powerpoint/2010/main">
+    <mc:Choice Requires="p14">
       <p:transition spd="slow" p14:dur="800">
         <p14:flythrough/>
       </p:transition>
     </mc:Choice>
-    <mc:Fallback>
+    <mc:Fallback xmlns="">
       <p:transition spd="slow">
         <p:fade/>
       </p:transition>
@@ -3232,7 +3237,7 @@
           <a:p>
             <a:fld id="{B0750736-FB76-4E36-8C78-9B4E98B5A8ED}" type="datetimeFigureOut">
               <a:rPr lang="en-US" smtClean="0"/>
-              <a:t>12/3/2018</a:t>
+              <a:t>12/4/2018</a:t>
             </a:fld>
             <a:endParaRPr lang="en-US"/>
           </a:p>
@@ -3290,13 +3295,13 @@
   <p:clrMapOvr>
     <a:masterClrMapping/>
   </p:clrMapOvr>
-  <mc:AlternateContent xmlns:mc="http://schemas.openxmlformats.org/markup-compatibility/2006">
-    <mc:Choice xmlns:p14="http://schemas.microsoft.com/office/powerpoint/2010/main" Requires="p14">
+  <mc:AlternateContent xmlns:mc="http://schemas.openxmlformats.org/markup-compatibility/2006" xmlns:p14="http://schemas.microsoft.com/office/powerpoint/2010/main">
+    <mc:Choice Requires="p14">
       <p:transition spd="slow" p14:dur="800">
         <p14:flythrough/>
       </p:transition>
     </mc:Choice>
-    <mc:Fallback>
+    <mc:Fallback xmlns="">
       <p:transition spd="slow">
         <p:fade/>
       </p:transition>
@@ -3419,7 +3424,7 @@
           <a:p>
             <a:fld id="{B0750736-FB76-4E36-8C78-9B4E98B5A8ED}" type="datetimeFigureOut">
               <a:rPr lang="en-US" smtClean="0"/>
-              <a:t>12/3/2018</a:t>
+              <a:t>12/4/2018</a:t>
             </a:fld>
             <a:endParaRPr lang="en-US"/>
           </a:p>
@@ -3482,13 +3487,13 @@
   <p:clrMapOvr>
     <a:masterClrMapping/>
   </p:clrMapOvr>
-  <mc:AlternateContent xmlns:mc="http://schemas.openxmlformats.org/markup-compatibility/2006">
-    <mc:Choice xmlns:p14="http://schemas.microsoft.com/office/powerpoint/2010/main" Requires="p14">
+  <mc:AlternateContent xmlns:mc="http://schemas.openxmlformats.org/markup-compatibility/2006" xmlns:p14="http://schemas.microsoft.com/office/powerpoint/2010/main">
+    <mc:Choice Requires="p14">
       <p:transition spd="slow" p14:dur="800">
         <p14:flythrough/>
       </p:transition>
     </mc:Choice>
-    <mc:Fallback>
+    <mc:Fallback xmlns="">
       <p:transition spd="slow">
         <p:fade/>
       </p:transition>
@@ -3682,7 +3687,7 @@
           <a:p>
             <a:fld id="{B0750736-FB76-4E36-8C78-9B4E98B5A8ED}" type="datetimeFigureOut">
               <a:rPr lang="en-US" smtClean="0"/>
-              <a:t>12/3/2018</a:t>
+              <a:t>12/4/2018</a:t>
             </a:fld>
             <a:endParaRPr lang="en-US"/>
           </a:p>
@@ -3740,13 +3745,13 @@
   <p:clrMapOvr>
     <a:masterClrMapping/>
   </p:clrMapOvr>
-  <mc:AlternateContent xmlns:mc="http://schemas.openxmlformats.org/markup-compatibility/2006">
-    <mc:Choice xmlns:p14="http://schemas.microsoft.com/office/powerpoint/2010/main" Requires="p14">
+  <mc:AlternateContent xmlns:mc="http://schemas.openxmlformats.org/markup-compatibility/2006" xmlns:p14="http://schemas.microsoft.com/office/powerpoint/2010/main">
+    <mc:Choice Requires="p14">
       <p:transition spd="slow" p14:dur="800">
         <p14:flythrough/>
       </p:transition>
     </mc:Choice>
-    <mc:Fallback>
+    <mc:Fallback xmlns="">
       <p:transition spd="slow">
         <p:fade/>
       </p:transition>
@@ -3996,7 +4001,7 @@
           <a:p>
             <a:fld id="{B0750736-FB76-4E36-8C78-9B4E98B5A8ED}" type="datetimeFigureOut">
               <a:rPr lang="en-US" smtClean="0"/>
-              <a:t>12/3/2018</a:t>
+              <a:t>12/4/2018</a:t>
             </a:fld>
             <a:endParaRPr lang="en-US"/>
           </a:p>
@@ -4054,13 +4059,13 @@
   <p:clrMapOvr>
     <a:masterClrMapping/>
   </p:clrMapOvr>
-  <mc:AlternateContent xmlns:mc="http://schemas.openxmlformats.org/markup-compatibility/2006">
-    <mc:Choice xmlns:p14="http://schemas.microsoft.com/office/powerpoint/2010/main" Requires="p14">
+  <mc:AlternateContent xmlns:mc="http://schemas.openxmlformats.org/markup-compatibility/2006" xmlns:p14="http://schemas.microsoft.com/office/powerpoint/2010/main">
+    <mc:Choice Requires="p14">
       <p:transition spd="slow" p14:dur="800">
         <p14:flythrough/>
       </p:transition>
     </mc:Choice>
-    <mc:Fallback>
+    <mc:Fallback xmlns="">
       <p:transition spd="slow">
         <p:fade/>
       </p:transition>
@@ -4450,7 +4455,7 @@
           <a:p>
             <a:fld id="{B0750736-FB76-4E36-8C78-9B4E98B5A8ED}" type="datetimeFigureOut">
               <a:rPr lang="en-US" smtClean="0"/>
-              <a:t>12/3/2018</a:t>
+              <a:t>12/4/2018</a:t>
             </a:fld>
             <a:endParaRPr lang="en-US"/>
           </a:p>
@@ -4508,13 +4513,13 @@
   <p:clrMapOvr>
     <a:masterClrMapping/>
   </p:clrMapOvr>
-  <mc:AlternateContent xmlns:mc="http://schemas.openxmlformats.org/markup-compatibility/2006">
-    <mc:Choice xmlns:p14="http://schemas.microsoft.com/office/powerpoint/2010/main" Requires="p14">
+  <mc:AlternateContent xmlns:mc="http://schemas.openxmlformats.org/markup-compatibility/2006" xmlns:p14="http://schemas.microsoft.com/office/powerpoint/2010/main">
+    <mc:Choice Requires="p14">
       <p:transition spd="slow" p14:dur="800">
         <p14:flythrough/>
       </p:transition>
     </mc:Choice>
-    <mc:Fallback>
+    <mc:Fallback xmlns="">
       <p:transition spd="slow">
         <p:fade/>
       </p:transition>
@@ -4580,7 +4585,7 @@
           <a:p>
             <a:fld id="{B0750736-FB76-4E36-8C78-9B4E98B5A8ED}" type="datetimeFigureOut">
               <a:rPr lang="en-US" smtClean="0"/>
-              <a:t>12/3/2018</a:t>
+              <a:t>12/4/2018</a:t>
             </a:fld>
             <a:endParaRPr lang="en-US"/>
           </a:p>
@@ -4638,13 +4643,13 @@
   <p:clrMapOvr>
     <a:masterClrMapping/>
   </p:clrMapOvr>
-  <mc:AlternateContent xmlns:mc="http://schemas.openxmlformats.org/markup-compatibility/2006">
-    <mc:Choice xmlns:p14="http://schemas.microsoft.com/office/powerpoint/2010/main" Requires="p14">
+  <mc:AlternateContent xmlns:mc="http://schemas.openxmlformats.org/markup-compatibility/2006" xmlns:p14="http://schemas.microsoft.com/office/powerpoint/2010/main">
+    <mc:Choice Requires="p14">
       <p:transition spd="slow" p14:dur="800">
         <p14:flythrough/>
       </p:transition>
     </mc:Choice>
-    <mc:Fallback>
+    <mc:Fallback xmlns="">
       <p:transition spd="slow">
         <p:fade/>
       </p:transition>
@@ -4687,7 +4692,7 @@
           <a:p>
             <a:fld id="{B0750736-FB76-4E36-8C78-9B4E98B5A8ED}" type="datetimeFigureOut">
               <a:rPr lang="en-US" smtClean="0"/>
-              <a:t>12/3/2018</a:t>
+              <a:t>12/4/2018</a:t>
             </a:fld>
             <a:endParaRPr lang="en-US"/>
           </a:p>
@@ -4745,13 +4750,13 @@
   <p:clrMapOvr>
     <a:masterClrMapping/>
   </p:clrMapOvr>
-  <mc:AlternateContent xmlns:mc="http://schemas.openxmlformats.org/markup-compatibility/2006">
-    <mc:Choice xmlns:p14="http://schemas.microsoft.com/office/powerpoint/2010/main" Requires="p14">
+  <mc:AlternateContent xmlns:mc="http://schemas.openxmlformats.org/markup-compatibility/2006" xmlns:p14="http://schemas.microsoft.com/office/powerpoint/2010/main">
+    <mc:Choice Requires="p14">
       <p:transition spd="slow" p14:dur="800">
         <p14:flythrough/>
       </p:transition>
     </mc:Choice>
-    <mc:Fallback>
+    <mc:Fallback xmlns="">
       <p:transition spd="slow">
         <p:fade/>
       </p:transition>
@@ -4982,7 +4987,7 @@
           <a:p>
             <a:fld id="{B0750736-FB76-4E36-8C78-9B4E98B5A8ED}" type="datetimeFigureOut">
               <a:rPr lang="en-US" smtClean="0"/>
-              <a:t>12/3/2018</a:t>
+              <a:t>12/4/2018</a:t>
             </a:fld>
             <a:endParaRPr lang="en-US"/>
           </a:p>
@@ -5040,13 +5045,13 @@
   <p:clrMapOvr>
     <a:masterClrMapping/>
   </p:clrMapOvr>
-  <mc:AlternateContent xmlns:mc="http://schemas.openxmlformats.org/markup-compatibility/2006">
-    <mc:Choice xmlns:p14="http://schemas.microsoft.com/office/powerpoint/2010/main" Requires="p14">
+  <mc:AlternateContent xmlns:mc="http://schemas.openxmlformats.org/markup-compatibility/2006" xmlns:p14="http://schemas.microsoft.com/office/powerpoint/2010/main">
+    <mc:Choice Requires="p14">
       <p:transition spd="slow" p14:dur="800">
         <p14:flythrough/>
       </p:transition>
     </mc:Choice>
-    <mc:Fallback>
+    <mc:Fallback xmlns="">
       <p:transition spd="slow">
         <p:fade/>
       </p:transition>
@@ -5285,7 +5290,7 @@
           <a:p>
             <a:fld id="{B0750736-FB76-4E36-8C78-9B4E98B5A8ED}" type="datetimeFigureOut">
               <a:rPr lang="en-US" smtClean="0"/>
-              <a:t>12/3/2018</a:t>
+              <a:t>12/4/2018</a:t>
             </a:fld>
             <a:endParaRPr lang="en-US"/>
           </a:p>
@@ -5343,13 +5348,13 @@
   <p:clrMapOvr>
     <a:masterClrMapping/>
   </p:clrMapOvr>
-  <mc:AlternateContent xmlns:mc="http://schemas.openxmlformats.org/markup-compatibility/2006">
-    <mc:Choice xmlns:p14="http://schemas.microsoft.com/office/powerpoint/2010/main" Requires="p14">
+  <mc:AlternateContent xmlns:mc="http://schemas.openxmlformats.org/markup-compatibility/2006" xmlns:p14="http://schemas.microsoft.com/office/powerpoint/2010/main">
+    <mc:Choice Requires="p14">
       <p:transition spd="slow" p14:dur="800">
         <p14:flythrough/>
       </p:transition>
     </mc:Choice>
-    <mc:Fallback>
+    <mc:Fallback xmlns="">
       <p:transition spd="slow">
         <p:fade/>
       </p:transition>
@@ -5827,7 +5832,7 @@
           <a:p>
             <a:fld id="{B0750736-FB76-4E36-8C78-9B4E98B5A8ED}" type="datetimeFigureOut">
               <a:rPr lang="en-US" smtClean="0"/>
-              <a:t>12/3/2018</a:t>
+              <a:t>12/4/2018</a:t>
             </a:fld>
             <a:endParaRPr lang="en-US"/>
           </a:p>
@@ -5938,13 +5943,13 @@
     <p:sldLayoutId id="2147483730" r:id="rId16"/>
     <p:sldLayoutId id="2147483731" r:id="rId17"/>
   </p:sldLayoutIdLst>
-  <mc:AlternateContent xmlns:mc="http://schemas.openxmlformats.org/markup-compatibility/2006">
-    <mc:Choice xmlns:p14="http://schemas.microsoft.com/office/powerpoint/2010/main" Requires="p14">
+  <mc:AlternateContent xmlns:mc="http://schemas.openxmlformats.org/markup-compatibility/2006" xmlns:p14="http://schemas.microsoft.com/office/powerpoint/2010/main">
+    <mc:Choice Requires="p14">
       <p:transition spd="slow" p14:dur="800">
         <p14:flythrough/>
       </p:transition>
     </mc:Choice>
-    <mc:Fallback>
+    <mc:Fallback xmlns="">
       <p:transition spd="slow">
         <p:fade/>
       </p:transition>
@@ -6448,13 +6453,13 @@
   <p:clrMapOvr>
     <a:masterClrMapping/>
   </p:clrMapOvr>
-  <mc:AlternateContent xmlns:mc="http://schemas.openxmlformats.org/markup-compatibility/2006">
-    <mc:Choice xmlns:p14="http://schemas.microsoft.com/office/powerpoint/2010/main" Requires="p14">
+  <mc:AlternateContent xmlns:mc="http://schemas.openxmlformats.org/markup-compatibility/2006" xmlns:p14="http://schemas.microsoft.com/office/powerpoint/2010/main">
+    <mc:Choice Requires="p14">
       <p:transition spd="slow" p14:dur="800">
         <p14:flythrough/>
       </p:transition>
     </mc:Choice>
-    <mc:Fallback>
+    <mc:Fallback xmlns="">
       <p:transition spd="slow">
         <p:fade/>
       </p:transition>
@@ -6579,13 +6584,13 @@
   <p:clrMapOvr>
     <a:masterClrMapping/>
   </p:clrMapOvr>
-  <mc:AlternateContent xmlns:mc="http://schemas.openxmlformats.org/markup-compatibility/2006">
-    <mc:Choice xmlns:p14="http://schemas.microsoft.com/office/powerpoint/2010/main" Requires="p14">
+  <mc:AlternateContent xmlns:mc="http://schemas.openxmlformats.org/markup-compatibility/2006" xmlns:p14="http://schemas.microsoft.com/office/powerpoint/2010/main">
+    <mc:Choice Requires="p14">
       <p:transition spd="slow" p14:dur="800">
         <p14:flythrough/>
       </p:transition>
     </mc:Choice>
-    <mc:Fallback>
+    <mc:Fallback xmlns="">
       <p:transition spd="slow">
         <p:fade/>
       </p:transition>
@@ -6687,13 +6692,13 @@
   <p:clrMapOvr>
     <a:masterClrMapping/>
   </p:clrMapOvr>
-  <mc:AlternateContent xmlns:mc="http://schemas.openxmlformats.org/markup-compatibility/2006">
-    <mc:Choice xmlns:p14="http://schemas.microsoft.com/office/powerpoint/2010/main" Requires="p14">
+  <mc:AlternateContent xmlns:mc="http://schemas.openxmlformats.org/markup-compatibility/2006" xmlns:p14="http://schemas.microsoft.com/office/powerpoint/2010/main">
+    <mc:Choice Requires="p14">
       <p:transition spd="slow" p14:dur="800">
         <p14:flythrough/>
       </p:transition>
     </mc:Choice>
-    <mc:Fallback>
+    <mc:Fallback xmlns="">
       <p:transition spd="slow">
         <p:fade/>
       </p:transition>
@@ -6814,13 +6819,13 @@
   <p:clrMapOvr>
     <a:masterClrMapping/>
   </p:clrMapOvr>
-  <mc:AlternateContent xmlns:mc="http://schemas.openxmlformats.org/markup-compatibility/2006">
-    <mc:Choice xmlns:p14="http://schemas.microsoft.com/office/powerpoint/2010/main" Requires="p14">
+  <mc:AlternateContent xmlns:mc="http://schemas.openxmlformats.org/markup-compatibility/2006" xmlns:p14="http://schemas.microsoft.com/office/powerpoint/2010/main">
+    <mc:Choice Requires="p14">
       <p:transition spd="slow" p14:dur="800">
         <p14:flythrough/>
       </p:transition>
     </mc:Choice>
-    <mc:Fallback>
+    <mc:Fallback xmlns="">
       <p:transition spd="slow">
         <p:fade/>
       </p:transition>
@@ -6904,7 +6909,7 @@
         </p:spPr>
         <p:txBody>
           <a:bodyPr>
-            <a:normAutofit fontScale="77500" lnSpcReduction="20000"/>
+            <a:normAutofit fontScale="70000" lnSpcReduction="20000"/>
           </a:bodyPr>
           <a:lstStyle/>
           <a:p>
@@ -6919,11 +6924,11 @@
               <a:buChar char="o"/>
             </a:pPr>
             <a:r>
-              <a:rPr lang="en-US" sz="1600" dirty="0"/>
+              <a:rPr lang="en-US" sz="2100" dirty="0"/>
               <a:t>G</a:t>
             </a:r>
             <a:r>
-              <a:rPr lang="en-US" sz="1600" dirty="0" smtClean="0"/>
+              <a:rPr lang="en-US" sz="2100" dirty="0" smtClean="0"/>
               <a:t>athered data</a:t>
             </a:r>
           </a:p>
@@ -6933,7 +6938,7 @@
               <a:buChar char="o"/>
             </a:pPr>
             <a:r>
-              <a:rPr lang="en-US" sz="1600" dirty="0" smtClean="0"/>
+              <a:rPr lang="en-US" sz="2100" dirty="0" smtClean="0"/>
               <a:t>Cleaned data </a:t>
             </a:r>
           </a:p>
@@ -6943,7 +6948,7 @@
               <a:buChar char="o"/>
             </a:pPr>
             <a:r>
-              <a:rPr lang="en-US" sz="1600" dirty="0" smtClean="0"/>
+              <a:rPr lang="en-US" sz="2100" dirty="0" smtClean="0"/>
               <a:t>Structured Data </a:t>
             </a:r>
           </a:p>
@@ -6953,7 +6958,7 @@
               <a:buChar char="o"/>
             </a:pPr>
             <a:r>
-              <a:rPr lang="en-US" sz="1600" dirty="0" smtClean="0"/>
+              <a:rPr lang="en-US" sz="2100" dirty="0" smtClean="0"/>
               <a:t>Wrote code for the data to output in user friendly visual format.</a:t>
             </a:r>
           </a:p>
@@ -7004,13 +7009,13 @@
   <p:clrMapOvr>
     <a:masterClrMapping/>
   </p:clrMapOvr>
-  <mc:AlternateContent xmlns:mc="http://schemas.openxmlformats.org/markup-compatibility/2006">
-    <mc:Choice xmlns:p14="http://schemas.microsoft.com/office/powerpoint/2010/main" Requires="p14">
+  <mc:AlternateContent xmlns:mc="http://schemas.openxmlformats.org/markup-compatibility/2006" xmlns:p14="http://schemas.microsoft.com/office/powerpoint/2010/main">
+    <mc:Choice Requires="p14">
       <p:transition spd="slow" p14:dur="800">
         <p14:flythrough/>
       </p:transition>
     </mc:Choice>
-    <mc:Fallback>
+    <mc:Fallback xmlns="">
       <p:transition spd="slow">
         <p:fade/>
       </p:transition>
@@ -7210,13 +7215,13 @@
   <p:clrMapOvr>
     <a:masterClrMapping/>
   </p:clrMapOvr>
-  <mc:AlternateContent xmlns:mc="http://schemas.openxmlformats.org/markup-compatibility/2006">
-    <mc:Choice xmlns:p14="http://schemas.microsoft.com/office/powerpoint/2010/main" Requires="p14">
+  <mc:AlternateContent xmlns:mc="http://schemas.openxmlformats.org/markup-compatibility/2006" xmlns:p14="http://schemas.microsoft.com/office/powerpoint/2010/main">
+    <mc:Choice Requires="p14">
       <p:transition spd="slow" p14:dur="800">
         <p14:flythrough/>
       </p:transition>
     </mc:Choice>
-    <mc:Fallback>
+    <mc:Fallback xmlns="">
       <p:transition spd="slow">
         <p:fade/>
       </p:transition>
@@ -7327,13 +7332,13 @@
   <p:clrMapOvr>
     <a:masterClrMapping/>
   </p:clrMapOvr>
-  <mc:AlternateContent xmlns:mc="http://schemas.openxmlformats.org/markup-compatibility/2006">
-    <mc:Choice xmlns:p14="http://schemas.microsoft.com/office/powerpoint/2010/main" Requires="p14">
+  <mc:AlternateContent xmlns:mc="http://schemas.openxmlformats.org/markup-compatibility/2006" xmlns:p14="http://schemas.microsoft.com/office/powerpoint/2010/main">
+    <mc:Choice Requires="p14">
       <p:transition spd="slow" p14:dur="800">
         <p14:flythrough/>
       </p:transition>
     </mc:Choice>
-    <mc:Fallback>
+    <mc:Fallback xmlns="">
       <p:transition spd="slow">
         <p:fade/>
       </p:transition>
@@ -7414,13 +7419,13 @@
   <p:clrMapOvr>
     <a:masterClrMapping/>
   </p:clrMapOvr>
-  <mc:AlternateContent xmlns:mc="http://schemas.openxmlformats.org/markup-compatibility/2006">
-    <mc:Choice xmlns:p14="http://schemas.microsoft.com/office/powerpoint/2010/main" Requires="p14">
+  <mc:AlternateContent xmlns:mc="http://schemas.openxmlformats.org/markup-compatibility/2006" xmlns:p14="http://schemas.microsoft.com/office/powerpoint/2010/main">
+    <mc:Choice Requires="p14">
       <p:transition spd="slow" p14:dur="800">
         <p14:flythrough/>
       </p:transition>
     </mc:Choice>
-    <mc:Fallback>
+    <mc:Fallback xmlns="">
       <p:transition spd="slow">
         <p:fade/>
       </p:transition>
